--- a/ASE_ProjectCT_Presentation.pptx
+++ b/ASE_ProjectCT_Presentation.pptx
@@ -5,7 +5,7 @@
     <p:sldMasterId id="2147483660" r:id="rId1"/>
   </p:sldMasterIdLst>
   <p:notesMasterIdLst>
-    <p:notesMasterId r:id="rId13"/>
+    <p:notesMasterId r:id="rId14"/>
   </p:notesMasterIdLst>
   <p:sldIdLst>
     <p:sldId id="278" r:id="rId2"/>
@@ -18,7 +18,8 @@
     <p:sldId id="285" r:id="rId9"/>
     <p:sldId id="286" r:id="rId10"/>
     <p:sldId id="287" r:id="rId11"/>
-    <p:sldId id="288" r:id="rId12"/>
+    <p:sldId id="289" r:id="rId12"/>
+    <p:sldId id="288" r:id="rId13"/>
   </p:sldIdLst>
   <p:sldSz cx="9144000" cy="6858000" type="screen4x3"/>
   <p:notesSz cx="6858000" cy="9144000"/>
@@ -148,6 +149,42 @@
 </p:cmAuthorLst>
 </file>
 
+<file path=ppt/ink/ink1.xml><?xml version="1.0" encoding="utf-8"?>
+<inkml:ink xmlns:inkml="http://www.w3.org/2003/InkML">
+  <inkml:definitions>
+    <inkml:context xml:id="ctx0">
+      <inkml:inkSource xml:id="inkSrc0">
+        <inkml:traceFormat>
+          <inkml:channel name="X" type="integer" min="-2.14748E9" max="2.14748E9" units="cm"/>
+          <inkml:channel name="Y" type="integer" min="-2.14748E9" max="2.14748E9" units="cm"/>
+        </inkml:traceFormat>
+        <inkml:channelProperties>
+          <inkml:channelProperty channel="X" name="resolution" value="1000" units="1/cm"/>
+          <inkml:channelProperty channel="Y" name="resolution" value="1000" units="1/cm"/>
+        </inkml:channelProperties>
+      </inkml:inkSource>
+      <inkml:timestamp xml:id="ts0" timeString="2016-05-03T15:31:22.799"/>
+    </inkml:context>
+    <inkml:brush xml:id="br0">
+      <inkml:brushProperty name="width" value="0.06667" units="cm"/>
+      <inkml:brushProperty name="height" value="0.06667" units="cm"/>
+      <inkml:brushProperty name="color" value="#ED1C24"/>
+      <inkml:brushProperty name="ignorePressure" value="1"/>
+    </inkml:brush>
+  </inkml:definitions>
+  <inkml:traceGroup>
+    <inkml:annotationXML>
+      <emma:emma xmlns:emma="http://www.w3.org/2003/04/emma" version="1.0">
+        <emma:interpretation id="{05329432-62DE-4B38-BDDD-DD6CDB6C9BD3}" emma:medium="tactile" emma:mode="ink">
+          <msink:context xmlns:msink="http://schemas.microsoft.com/ink/2010/main" type="inkDrawing" rotatedBoundingBox="14127,12726 18722,13016 18604,14886 14009,14595" hotPoints="19058,14182 16755,14747 14720,13530 17023,12965" semanticType="enclosure" shapeName="Ellipse"/>
+        </emma:interpretation>
+      </emma:emma>
+    </inkml:annotationXML>
+    <inkml:trace contextRef="#ctx0" brushRef="#br0">160 671,'8'0,"10"0,19-7,11-3,11-1,6 3,14-14,11-18,5-11,-7-5,-8 8,-11 10,-9 15,-16 0,2 6,1-3,7 2,11-3,10-16,17 2,-2 4,-5-1,-4-1,11 5,-5 5,-8 8,-2 7,1 4,-2 3,-10 2,-5 0,-7 1,3-1,2 0,-3-1,-3 1,-2-1,5 0,3 0,5 0,1 0,12 0,2 0,-5 0,-7 0,-16 7,-7 3,-4 0,-1 0,-8 3,1 1,-7 5,2 1,-6 4,4-1,3 1,7-2,-4 5,1-5,3-5,-4 3,1 5,-7 7,10-3,5-4,-1-1,-2-4,1 3,3-2,2-4,1 1,1-2,-5 5,-5 0,2-6,-6 3,0 8,2 6,3 6,4 13,4 13,-8 2,0 8,1-1,-6-5,-7-7,-9-5,-7-4,-4-4,-3-2,-2 1,-16-2,-30-6,-7-5,0 2,-2-6,3-7,-6-2,-9-3,0-2,2 0,7-1,2-3,13 5,6-1,2-4,-3-3,-1-4,-8 7,-7 0,0-2,-7 5,-1 1,2-2,3-5,6-3,-7-3,1-2,-7-1,0 0,-4-8,1-3,-11-8,-2-1,-1 5,5 3,8 3,0 5,4 2,3 2,7 0,3 1,11-8,5-2,0-9,-1-1,-3 4,-2 3,5-3,-5-17,-36-16,-28-3,-12 11,5 8,16 13,6 8,5 6,9 4,7 3,11 0,-3-8,3-3,3 1,11-7,5-9,2-8,-10-8,6-10,0-7,-8-1,-12 2,-17 1,-6 12,6 10,8 15,16 0,16-5,16-6,11-6,16-5,16 5,11 7,10 9,4 0,3-5,-6 2</inkml:trace>
+  </inkml:traceGroup>
+</inkml:ink>
+</file>
+
 <file path=ppt/notesMasters/notesMaster1.xml><?xml version="1.0" encoding="utf-8"?>
 <p:notesMaster xmlns:a="http://schemas.openxmlformats.org/drawingml/2006/main" xmlns:r="http://schemas.openxmlformats.org/officeDocument/2006/relationships" xmlns:p="http://schemas.openxmlformats.org/presentationml/2006/main">
   <p:cSld>
@@ -231,7 +268,7 @@
             <a:fld id="{63A933B5-9B1B-440E-82AC-B0DA8E95FD7F}" type="datetimeFigureOut">
               <a:rPr lang="en-US" smtClean="0"/>
               <a:pPr/>
-              <a:t>5/2/2016</a:t>
+              <a:t>5/3/2016</a:t>
             </a:fld>
             <a:endParaRPr lang="en-IN"/>
           </a:p>
@@ -681,7 +718,7 @@
           <a:p>
             <a:fld id="{C25F562E-99D4-4254-B7BD-243D18A86905}" type="datetime1">
               <a:rPr lang="en-US" smtClean="0"/>
-              <a:t>5/2/2016</a:t>
+              <a:t>5/3/2016</a:t>
             </a:fld>
             <a:endParaRPr lang="en-US"/>
           </a:p>
@@ -850,7 +887,7 @@
           <a:p>
             <a:fld id="{4B3C6D4A-41F3-45D9-B2F5-3393F01A1CB5}" type="datetime1">
               <a:rPr lang="en-US" smtClean="0"/>
-              <a:t>5/2/2016</a:t>
+              <a:t>5/3/2016</a:t>
             </a:fld>
             <a:endParaRPr lang="en-US"/>
           </a:p>
@@ -1029,7 +1066,7 @@
           <a:p>
             <a:fld id="{B28C5091-A19C-4CF5-A852-16E436076A5C}" type="datetime1">
               <a:rPr lang="en-US" smtClean="0"/>
-              <a:t>5/2/2016</a:t>
+              <a:t>5/3/2016</a:t>
             </a:fld>
             <a:endParaRPr lang="en-US"/>
           </a:p>
@@ -1198,7 +1235,7 @@
           <a:p>
             <a:fld id="{B239AB4A-D306-4283-B40E-55DB8E2FB858}" type="datetime1">
               <a:rPr lang="en-US" smtClean="0"/>
-              <a:t>5/2/2016</a:t>
+              <a:t>5/3/2016</a:t>
             </a:fld>
             <a:endParaRPr lang="en-US"/>
           </a:p>
@@ -1444,7 +1481,7 @@
           <a:p>
             <a:fld id="{3259F408-8444-4D27-A64D-6DF53F8149AA}" type="datetime1">
               <a:rPr lang="en-US" smtClean="0"/>
-              <a:t>5/2/2016</a:t>
+              <a:t>5/3/2016</a:t>
             </a:fld>
             <a:endParaRPr lang="en-US"/>
           </a:p>
@@ -1730,7 +1767,7 @@
           <a:p>
             <a:fld id="{77EA84EB-2191-4F6F-9C5F-B279CDBDDBD4}" type="datetime1">
               <a:rPr lang="en-US" smtClean="0"/>
-              <a:t>5/2/2016</a:t>
+              <a:t>5/3/2016</a:t>
             </a:fld>
             <a:endParaRPr lang="en-US"/>
           </a:p>
@@ -2150,7 +2187,7 @@
           <a:p>
             <a:fld id="{F444A3C6-D7AB-4755-AA75-31DE2563E58E}" type="datetime1">
               <a:rPr lang="en-US" smtClean="0"/>
-              <a:t>5/2/2016</a:t>
+              <a:t>5/3/2016</a:t>
             </a:fld>
             <a:endParaRPr lang="en-US"/>
           </a:p>
@@ -2268,7 +2305,7 @@
           <a:p>
             <a:fld id="{2C590FE7-4007-4177-81F5-BA78C87984E5}" type="datetime1">
               <a:rPr lang="en-US" smtClean="0"/>
-              <a:t>5/2/2016</a:t>
+              <a:t>5/3/2016</a:t>
             </a:fld>
             <a:endParaRPr lang="en-US"/>
           </a:p>
@@ -2364,7 +2401,7 @@
           <a:p>
             <a:fld id="{B9C24466-D5B4-4211-AFB5-2B929610D4FA}" type="datetime1">
               <a:rPr lang="en-US" smtClean="0"/>
-              <a:t>5/2/2016</a:t>
+              <a:t>5/3/2016</a:t>
             </a:fld>
             <a:endParaRPr lang="en-US"/>
           </a:p>
@@ -2640,7 +2677,7 @@
           <a:p>
             <a:fld id="{22F5907D-E430-45B1-8A1D-5BEC74B9EAFD}" type="datetime1">
               <a:rPr lang="en-US" smtClean="0"/>
-              <a:t>5/2/2016</a:t>
+              <a:t>5/3/2016</a:t>
             </a:fld>
             <a:endParaRPr lang="en-US"/>
           </a:p>
@@ -2893,7 +2930,7 @@
           <a:p>
             <a:fld id="{01F033BE-F7F7-4BBA-9CA8-C498A03FC7CB}" type="datetime1">
               <a:rPr lang="en-US" smtClean="0"/>
-              <a:t>5/2/2016</a:t>
+              <a:t>5/3/2016</a:t>
             </a:fld>
             <a:endParaRPr lang="en-US"/>
           </a:p>
@@ -3111,7 +3148,7 @@
           <a:p>
             <a:fld id="{ADBFCB02-F130-4660-A982-21E89AE46577}" type="datetime1">
               <a:rPr lang="en-US" smtClean="0"/>
-              <a:t>5/2/2016</a:t>
+              <a:t>5/3/2016</a:t>
             </a:fld>
             <a:endParaRPr lang="en-US"/>
           </a:p>
@@ -3692,12 +3729,21 @@
         </p:nvSpPr>
         <p:spPr/>
         <p:txBody>
-          <a:bodyPr/>
+          <a:bodyPr>
+            <a:normAutofit fontScale="90000"/>
+          </a:bodyPr>
           <a:lstStyle/>
           <a:p>
             <a:r>
               <a:rPr lang="en-US" dirty="0"/>
               <a:t>Screenshots</a:t>
+            </a:r>
+            <a:br>
+              <a:rPr lang="en-US" dirty="0"/>
+            </a:br>
+            <a:r>
+              <a:rPr lang="en-US" dirty="0"/>
+              <a:t>Searching blood banks</a:t>
             </a:r>
           </a:p>
         </p:txBody>
@@ -3829,7 +3875,52 @@
       </p:grpSpPr>
       <p:sp>
         <p:nvSpPr>
-          <p:cNvPr id="2" name="Slide Number Placeholder 1"/>
+          <p:cNvPr id="2" name="Title 1"/>
+          <p:cNvSpPr>
+            <a:spLocks noGrp="1"/>
+          </p:cNvSpPr>
+          <p:nvPr>
+            <p:ph type="title"/>
+          </p:nvPr>
+        </p:nvSpPr>
+        <p:spPr/>
+        <p:txBody>
+          <a:bodyPr/>
+          <a:lstStyle/>
+          <a:p>
+            <a:r>
+              <a:rPr lang="en-US" dirty="0"/>
+              <a:t>Share on FB</a:t>
+            </a:r>
+          </a:p>
+        </p:txBody>
+      </p:sp>
+      <p:pic>
+        <p:nvPicPr>
+          <p:cNvPr id="5" name="Content Placeholder 4"/>
+          <p:cNvPicPr>
+            <a:picLocks noGrp="1" noChangeAspect="1"/>
+          </p:cNvPicPr>
+          <p:nvPr>
+            <p:ph idx="1"/>
+          </p:nvPr>
+        </p:nvPicPr>
+        <p:blipFill>
+          <a:blip r:embed="rId2"/>
+          <a:stretch>
+            <a:fillRect/>
+          </a:stretch>
+        </p:blipFill>
+        <p:spPr>
+          <a:xfrm>
+            <a:off x="622375" y="1417638"/>
+            <a:ext cx="2545854" cy="4525963"/>
+          </a:xfrm>
+        </p:spPr>
+      </p:pic>
+      <p:sp>
+        <p:nvSpPr>
+          <p:cNvPr id="4" name="Slide Number Placeholder 3"/>
           <p:cNvSpPr>
             <a:spLocks noGrp="1"/>
           </p:cNvSpPr>
@@ -3846,6 +3937,123 @@
               <a:rPr lang="en-US" smtClean="0"/>
               <a:pPr/>
               <a:t>11</a:t>
+            </a:fld>
+            <a:endParaRPr lang="en-US"/>
+          </a:p>
+        </p:txBody>
+      </p:sp>
+      <p:pic>
+        <p:nvPicPr>
+          <p:cNvPr id="6" name="Picture 5"/>
+          <p:cNvPicPr>
+            <a:picLocks noChangeAspect="1"/>
+          </p:cNvPicPr>
+          <p:nvPr/>
+        </p:nvPicPr>
+        <p:blipFill>
+          <a:blip r:embed="rId3"/>
+          <a:stretch>
+            <a:fillRect/>
+          </a:stretch>
+        </p:blipFill>
+        <p:spPr>
+          <a:xfrm>
+            <a:off x="3507971" y="1417637"/>
+            <a:ext cx="5636028" cy="4248871"/>
+          </a:xfrm>
+          <a:prstGeom prst="rect">
+            <a:avLst/>
+          </a:prstGeom>
+        </p:spPr>
+      </p:pic>
+      <mc:AlternateContent xmlns:mc="http://schemas.openxmlformats.org/markup-compatibility/2006">
+        <mc:Choice xmlns:p14="http://schemas.microsoft.com/office/powerpoint/2010/main" Requires="p14">
+          <p:contentPart p14:bwMode="auto" r:id="rId4">
+            <p14:nvContentPartPr>
+              <p14:cNvPr id="10" name="Ink 9"/>
+              <p14:cNvContentPartPr/>
+              <p14:nvPr/>
+            </p14:nvContentPartPr>
+            <p14:xfrm>
+              <a:off x="5062680" y="4648385"/>
+              <a:ext cx="1648440" cy="676440"/>
+            </p14:xfrm>
+          </p:contentPart>
+        </mc:Choice>
+        <mc:Fallback>
+          <p:pic>
+            <p:nvPicPr>
+              <p:cNvPr id="10" name="Ink 9"/>
+              <p:cNvPicPr/>
+              <p:nvPr/>
+            </p:nvPicPr>
+            <p:blipFill>
+              <a:blip r:embed="rId5"/>
+              <a:stretch>
+                <a:fillRect/>
+              </a:stretch>
+            </p:blipFill>
+            <p:spPr>
+              <a:xfrm>
+                <a:off x="5050800" y="4636505"/>
+                <a:ext cx="1672200" cy="700200"/>
+              </a:xfrm>
+              <a:prstGeom prst="rect">
+                <a:avLst/>
+              </a:prstGeom>
+            </p:spPr>
+          </p:pic>
+        </mc:Fallback>
+      </mc:AlternateContent>
+    </p:spTree>
+    <p:extLst>
+      <p:ext uri="{BB962C8B-B14F-4D97-AF65-F5344CB8AC3E}">
+        <p14:creationId xmlns:p14="http://schemas.microsoft.com/office/powerpoint/2010/main" val="3801812626"/>
+      </p:ext>
+    </p:extLst>
+  </p:cSld>
+  <p:clrMapOvr>
+    <a:masterClrMapping/>
+  </p:clrMapOvr>
+</p:sld>
+</file>
+
+<file path=ppt/slides/slide12.xml><?xml version="1.0" encoding="utf-8"?>
+<p:sld xmlns:a="http://schemas.openxmlformats.org/drawingml/2006/main" xmlns:r="http://schemas.openxmlformats.org/officeDocument/2006/relationships" xmlns:p="http://schemas.openxmlformats.org/presentationml/2006/main">
+  <p:cSld>
+    <p:spTree>
+      <p:nvGrpSpPr>
+        <p:cNvPr id="1" name=""/>
+        <p:cNvGrpSpPr/>
+        <p:nvPr/>
+      </p:nvGrpSpPr>
+      <p:grpSpPr>
+        <a:xfrm>
+          <a:off x="0" y="0"/>
+          <a:ext cx="0" cy="0"/>
+          <a:chOff x="0" y="0"/>
+          <a:chExt cx="0" cy="0"/>
+        </a:xfrm>
+      </p:grpSpPr>
+      <p:sp>
+        <p:nvSpPr>
+          <p:cNvPr id="2" name="Slide Number Placeholder 1"/>
+          <p:cNvSpPr>
+            <a:spLocks noGrp="1"/>
+          </p:cNvSpPr>
+          <p:nvPr>
+            <p:ph type="sldNum" sz="quarter" idx="12"/>
+          </p:nvPr>
+        </p:nvSpPr>
+        <p:spPr/>
+        <p:txBody>
+          <a:bodyPr/>
+          <a:lstStyle/>
+          <a:p>
+            <a:fld id="{20CDB166-79C6-3345-B287-A7CE8B30FC7E}" type="slidenum">
+              <a:rPr lang="en-US" smtClean="0"/>
+              <a:pPr/>
+              <a:t>12</a:t>
             </a:fld>
             <a:endParaRPr lang="en-US"/>
           </a:p>
@@ -4465,12 +4673,21 @@
         </p:nvSpPr>
         <p:spPr/>
         <p:txBody>
-          <a:bodyPr/>
+          <a:bodyPr>
+            <a:normAutofit fontScale="90000"/>
+          </a:bodyPr>
           <a:lstStyle/>
           <a:p>
             <a:r>
               <a:rPr lang="en-US" dirty="0"/>
               <a:t>Screenshots</a:t>
+            </a:r>
+            <a:br>
+              <a:rPr lang="en-US" dirty="0"/>
+            </a:br>
+            <a:r>
+              <a:rPr lang="en-US" dirty="0"/>
+              <a:t>Profile</a:t>
             </a:r>
           </a:p>
         </p:txBody>
@@ -4588,12 +4805,21 @@
         </p:nvSpPr>
         <p:spPr/>
         <p:txBody>
-          <a:bodyPr/>
+          <a:bodyPr>
+            <a:normAutofit fontScale="90000"/>
+          </a:bodyPr>
           <a:lstStyle/>
           <a:p>
             <a:r>
               <a:rPr lang="en-US" dirty="0"/>
               <a:t>Screenshots</a:t>
+            </a:r>
+            <a:br>
+              <a:rPr lang="en-US" dirty="0"/>
+            </a:br>
+            <a:r>
+              <a:rPr lang="en-US" dirty="0"/>
+              <a:t>Searching donors</a:t>
             </a:r>
           </a:p>
         </p:txBody>
@@ -4671,7 +4897,7 @@
       </p:pic>
       <p:pic>
         <p:nvPicPr>
-          <p:cNvPr id="3" name="Picture 2"/>
+          <p:cNvPr id="7" name="Picture 6"/>
           <p:cNvPicPr>
             <a:picLocks noChangeAspect="1"/>
           </p:cNvPicPr>
@@ -4685,8 +4911,8 @@
         </p:blipFill>
         <p:spPr>
           <a:xfrm>
-            <a:off x="5691187" y="1417638"/>
-            <a:ext cx="2995613" cy="4525963"/>
+            <a:off x="5809757" y="1417638"/>
+            <a:ext cx="2719101" cy="4525963"/>
           </a:xfrm>
           <a:prstGeom prst="rect">
             <a:avLst/>
@@ -4735,12 +4961,21 @@
         </p:nvSpPr>
         <p:spPr/>
         <p:txBody>
-          <a:bodyPr/>
+          <a:bodyPr>
+            <a:normAutofit fontScale="90000"/>
+          </a:bodyPr>
           <a:lstStyle/>
           <a:p>
             <a:r>
               <a:rPr lang="en-US" dirty="0"/>
               <a:t>Screenshots</a:t>
+            </a:r>
+            <a:br>
+              <a:rPr lang="en-US" dirty="0"/>
+            </a:br>
+            <a:r>
+              <a:rPr lang="en-US" dirty="0"/>
+              <a:t>Searching hospitals</a:t>
             </a:r>
           </a:p>
         </p:txBody>
@@ -4882,12 +5117,21 @@
         </p:nvSpPr>
         <p:spPr/>
         <p:txBody>
-          <a:bodyPr/>
+          <a:bodyPr>
+            <a:normAutofit fontScale="90000"/>
+          </a:bodyPr>
           <a:lstStyle/>
           <a:p>
             <a:r>
               <a:rPr lang="en-US" dirty="0"/>
               <a:t>Screenshots</a:t>
+            </a:r>
+            <a:br>
+              <a:rPr lang="en-US" dirty="0"/>
+            </a:br>
+            <a:r>
+              <a:rPr lang="en-US" dirty="0"/>
+              <a:t>Searching blood drives</a:t>
             </a:r>
           </a:p>
         </p:txBody>
